--- a/1-csharp/MarksCodeAndPPTs/DotNetPPTs/D3_.NET_Collections.pptx
+++ b/1-csharp/MarksCodeAndPPTs/DotNetPPTs/D3_.NET_Collections.pptx
@@ -168,7 +168,7 @@
 <file path=ppt/revisionInfo.xml><?xml version="1.0" encoding="utf-8"?>
 <p1510:revInfo xmlns:a="http://schemas.openxmlformats.org/drawingml/2006/main" xmlns:r="http://schemas.openxmlformats.org/officeDocument/2006/relationships" xmlns:p1510="http://schemas.microsoft.com/office/powerpoint/2015/10/main">
   <p1510:revLst>
-    <p1510:client id="{F088EAB0-3751-46F9-9D7A-C6442A8318B8}" v="162" dt="2020-03-11T03:15:17.646"/>
+    <p1510:client id="{F088EAB0-3751-46F9-9D7A-C6442A8318B8}" v="174" dt="2020-03-11T23:01:53.294"/>
   </p1510:revLst>
 </p1510:revInfo>
 </file>
@@ -417,7 +417,7 @@
           <a:p>
             <a:fld id="{9184DA70-C731-4C70-880D-CCD4705E623C}" type="datetime1">
               <a:rPr lang="en-US" smtClean="0"/>
-              <a:t>3/10/2020</a:t>
+              <a:t>3/11/2020</a:t>
             </a:fld>
             <a:endParaRPr lang="en-US" dirty="0"/>
           </a:p>
@@ -605,7 +605,7 @@
           <a:p>
             <a:fld id="{B612A279-0833-481D-8C56-F67FD0AC6C50}" type="datetime1">
               <a:rPr lang="en-US" smtClean="0"/>
-              <a:t>3/10/2020</a:t>
+              <a:t>3/11/2020</a:t>
             </a:fld>
             <a:endParaRPr lang="en-US" dirty="0"/>
           </a:p>
@@ -847,7 +847,7 @@
           <a:p>
             <a:fld id="{6587DA83-5663-4C9C-B9AA-0B40A3DAFF81}" type="datetime1">
               <a:rPr lang="en-US" smtClean="0"/>
-              <a:t>3/10/2020</a:t>
+              <a:t>3/11/2020</a:t>
             </a:fld>
             <a:endParaRPr lang="en-US" dirty="0"/>
           </a:p>
@@ -1035,7 +1035,7 @@
           <a:p>
             <a:fld id="{4BE1D723-8F53-4F53-90B0-1982A396982E}" type="datetime1">
               <a:rPr lang="en-US" smtClean="0"/>
-              <a:t>3/10/2020</a:t>
+              <a:t>3/11/2020</a:t>
             </a:fld>
             <a:endParaRPr lang="en-US" dirty="0"/>
           </a:p>
@@ -1408,7 +1408,7 @@
           <a:p>
             <a:fld id="{97669AF7-7BEB-44E4-9852-375E34362B5B}" type="datetime1">
               <a:rPr lang="en-US" smtClean="0"/>
-              <a:t>3/10/2020</a:t>
+              <a:t>3/11/2020</a:t>
             </a:fld>
             <a:endParaRPr lang="en-US" dirty="0"/>
           </a:p>
@@ -1663,7 +1663,7 @@
           <a:p>
             <a:fld id="{BAAAC38D-0552-4C82-B593-E6124DFADBE2}" type="datetime1">
               <a:rPr lang="en-US" smtClean="0"/>
-              <a:t>3/10/2020</a:t>
+              <a:t>3/11/2020</a:t>
             </a:fld>
             <a:endParaRPr lang="en-US" dirty="0"/>
           </a:p>
@@ -2060,7 +2060,7 @@
           <a:p>
             <a:fld id="{D9DF0F1C-5577-4ACB-BB62-DF8F3C494C7E}" type="datetime1">
               <a:rPr lang="en-US" smtClean="0"/>
-              <a:t>3/10/2020</a:t>
+              <a:t>3/11/2020</a:t>
             </a:fld>
             <a:endParaRPr lang="en-US" dirty="0"/>
           </a:p>
@@ -2196,7 +2196,7 @@
           <a:p>
             <a:fld id="{1775B394-D9F9-4F0C-B15D-605F45CB9E9F}" type="datetime1">
               <a:rPr lang="en-US" smtClean="0"/>
-              <a:t>3/10/2020</a:t>
+              <a:t>3/11/2020</a:t>
             </a:fld>
             <a:endParaRPr lang="en-US" dirty="0"/>
           </a:p>
@@ -2353,7 +2353,7 @@
           <a:p>
             <a:fld id="{39667345-2558-425A-8533-9BFDBCE15005}" type="datetime1">
               <a:rPr lang="en-US" smtClean="0"/>
-              <a:t>3/10/2020</a:t>
+              <a:t>3/11/2020</a:t>
             </a:fld>
             <a:endParaRPr lang="en-US" dirty="0"/>
           </a:p>
@@ -2682,7 +2682,7 @@
           <a:p>
             <a:fld id="{92BEA474-078D-4E9B-9B14-09A87B19DC46}" type="datetime1">
               <a:rPr lang="en-US" smtClean="0"/>
-              <a:t>3/10/2020</a:t>
+              <a:t>3/11/2020</a:t>
             </a:fld>
             <a:endParaRPr lang="en-US" dirty="0"/>
           </a:p>
@@ -3032,7 +3032,7 @@
           <a:p>
             <a:fld id="{4907D986-8816-4272-A432-0437A28A9828}" type="datetime1">
               <a:rPr lang="en-US" smtClean="0"/>
-              <a:t>3/10/2020</a:t>
+              <a:t>3/11/2020</a:t>
             </a:fld>
             <a:endParaRPr lang="en-US" dirty="0"/>
           </a:p>
@@ -3293,7 +3293,7 @@
           <a:p>
             <a:fld id="{62D6E202-B606-4609-B914-27C9371A1F6D}" type="datetime1">
               <a:rPr lang="en-US" smtClean="0"/>
-              <a:t>3/10/2020</a:t>
+              <a:t>3/11/2020</a:t>
             </a:fld>
             <a:endParaRPr lang="en-US" dirty="0"/>
           </a:p>
@@ -3908,13 +3908,20 @@
         </p:spPr>
         <p:txBody>
           <a:bodyPr>
-            <a:normAutofit/>
+            <a:normAutofit fontScale="90000"/>
           </a:bodyPr>
           <a:lstStyle/>
           <a:p>
             <a:r>
               <a:rPr lang="en-US" sz="8000" dirty="0"/>
               <a:t>Collections</a:t>
+            </a:r>
+            <a:br>
+              <a:rPr lang="en-US" sz="8000" dirty="0"/>
+            </a:br>
+            <a:r>
+              <a:rPr lang="en-US" sz="8000" dirty="0"/>
+              <a:t>ADD GENERIC CLASS!</a:t>
             </a:r>
           </a:p>
         </p:txBody>
@@ -4855,31 +4862,43 @@
           <a:p>
             <a:r>
               <a:rPr lang="en-US" sz="2400" dirty="0"/>
-              <a:t>The foreach statement returns an object representing the key/value pair in the collection. Since the Dictionary&lt;</a:t>
-            </a:r>
-            <a:r>
-              <a:rPr lang="en-US" sz="2400" dirty="0" err="1"/>
+              <a:t>The foreach statement returns an object representing the key/value pair in the collection. Since the </a:t>
+            </a:r>
+            <a:r>
+              <a:rPr lang="en-US" sz="2400" b="1" i="1" dirty="0"/>
+              <a:t>Dictionary&lt;</a:t>
+            </a:r>
+            <a:r>
+              <a:rPr lang="en-US" sz="2400" b="1" i="1" dirty="0" err="1"/>
               <a:t>TKey,TValue</a:t>
             </a:r>
             <a:r>
+              <a:rPr lang="en-US" sz="2400" b="1" i="1" dirty="0"/>
+              <a:t>&gt; </a:t>
+            </a:r>
+            <a:r>
               <a:rPr lang="en-US" sz="2400" dirty="0"/>
-              <a:t>&gt; is a collection of keys and values, the element type is not the type of the key or the type of the value. Instead, the element type is a </a:t>
-            </a:r>
-            <a:r>
-              <a:rPr lang="en-US" sz="2400" dirty="0" err="1"/>
+              <a:t>is a collection of keys and values, the element type is not the type of the key or the type of the value. Instead, the element type is a </a:t>
+            </a:r>
+            <a:r>
+              <a:rPr lang="en-US" sz="2400" b="1" i="1" dirty="0" err="1"/>
               <a:t>KeyValuePair</a:t>
             </a:r>
             <a:r>
+              <a:rPr lang="en-US" sz="2400" b="1" i="1" dirty="0"/>
+              <a:t>&lt;</a:t>
+            </a:r>
+            <a:r>
+              <a:rPr lang="en-US" sz="2400" b="1" i="1" dirty="0" err="1"/>
+              <a:t>TKey,TValue</a:t>
+            </a:r>
+            <a:r>
+              <a:rPr lang="en-US" sz="2400" b="1" i="1" dirty="0"/>
+              <a:t>&gt; </a:t>
+            </a:r>
+            <a:r>
               <a:rPr lang="en-US" sz="2400" dirty="0"/>
-              <a:t>&lt;</a:t>
-            </a:r>
-            <a:r>
-              <a:rPr lang="en-US" sz="2400" dirty="0" err="1"/>
-              <a:t>TKey,TValue</a:t>
-            </a:r>
-            <a:r>
-              <a:rPr lang="en-US" sz="2400" dirty="0"/>
-              <a:t>&gt; of the key type and the value type. The foreach statement is a wrapper around the enumerator, which allows only reading from the collection, not writing to it.</a:t>
+              <a:t>of the key type and the value type. The foreach statement is a wrapper around the enumerator, which allows only reading from the collection, not writing to it.</a:t>
             </a:r>
           </a:p>
           <a:p>
@@ -4923,7 +4942,7 @@
           <a:p>
             <a:r>
               <a:rPr lang="en-US" dirty="0"/>
-              <a:t>Dictionary&lt; </a:t>
+              <a:t>Dictionary&lt;</a:t>
             </a:r>
             <a:r>
               <a:rPr lang="en-US" dirty="0" err="1"/>
@@ -4931,7 +4950,7 @@
             </a:r>
             <a:r>
               <a:rPr lang="en-US" dirty="0"/>
-              <a:t> &gt;</a:t>
+              <a:t>&gt;</a:t>
             </a:r>
             <a:br>
               <a:rPr lang="en-US" dirty="0"/>
@@ -6680,8 +6699,8 @@
         </p:blipFill>
         <p:spPr>
           <a:xfrm>
-            <a:off x="1096963" y="2210936"/>
-            <a:ext cx="4417949" cy="3760788"/>
+            <a:off x="758389" y="2065739"/>
+            <a:ext cx="4756523" cy="4049000"/>
           </a:xfrm>
           <a:prstGeom prst="rect">
             <a:avLst/>
@@ -6755,7 +6774,7 @@
         </p:blipFill>
         <p:spPr>
           <a:xfrm>
-            <a:off x="5514912" y="287338"/>
+            <a:off x="5514912" y="430353"/>
             <a:ext cx="5097406" cy="3000860"/>
           </a:xfrm>
           <a:prstGeom prst="rect">
@@ -6785,7 +6804,7 @@
         </p:blipFill>
         <p:spPr>
           <a:xfrm>
-            <a:off x="5514912" y="3288198"/>
+            <a:off x="5514912" y="3431213"/>
             <a:ext cx="5097406" cy="2683526"/>
           </a:xfrm>
           <a:prstGeom prst="rect">
@@ -6866,7 +6885,16 @@
               <a:rPr lang="en-US" sz="1400" dirty="0">
                 <a:hlinkClick r:id="rId3"/>
               </a:rPr>
-              <a:t>https://docs.microsoft.com/en-us/dotnet/api/system.array?view=netframework-4.8</a:t>
+              <a:t>https://docs.microsoft.com/en-us/dotnet/api/system.array?view=netcore-3.1</a:t>
+            </a:r>
+            <a:br>
+              <a:rPr lang="en-US" sz="1400" dirty="0"/>
+            </a:br>
+            <a:r>
+              <a:rPr lang="en-US" sz="1400" dirty="0">
+                <a:hlinkClick r:id="rId4"/>
+              </a:rPr>
+              <a:t>https://docs.microsoft.com/en-us/dotnet/standard/generics/?view=netcore-3.1</a:t>
             </a:r>
             <a:endParaRPr lang="en-US" dirty="0"/>
           </a:p>
@@ -6994,7 +7022,7 @@
           <p:nvPr/>
         </p:nvPicPr>
         <p:blipFill>
-          <a:blip r:embed="rId4"/>
+          <a:blip r:embed="rId5"/>
           <a:stretch>
             <a:fillRect/>
           </a:stretch>
@@ -7075,30 +7103,21 @@
               <a:rPr lang="en-US" dirty="0"/>
             </a:br>
             <a:r>
-              <a:rPr lang="en-US" sz="1400" dirty="0">
+              <a:rPr lang="en-US" sz="1600" dirty="0">
                 <a:hlinkClick r:id="rId2"/>
               </a:rPr>
-              <a:t>https://docs.microsoft.com/en-us/dotnet/api/system.collections.generic?view=netframework-4.8</a:t>
+              <a:t>https://docs.microsoft.com/en-us/dotnet/standard/generics/collections?view=netcore-3.1</a:t>
             </a:r>
             <a:br>
-              <a:rPr lang="en-US" sz="1400" dirty="0"/>
+              <a:rPr lang="en-US" sz="1600" dirty="0"/>
             </a:br>
             <a:r>
-              <a:rPr lang="en-US" sz="1400" dirty="0">
+              <a:rPr lang="en-US" sz="1600" dirty="0">
                 <a:hlinkClick r:id="rId3"/>
               </a:rPr>
-              <a:t>https://docs.microsoft.com/en-us/dotnet/csharp/programming-guide/generics/</a:t>
-            </a:r>
-            <a:br>
-              <a:rPr lang="en-US" sz="1400" dirty="0"/>
-            </a:br>
-            <a:r>
-              <a:rPr lang="en-US" sz="1400" dirty="0">
-                <a:hlinkClick r:id="rId4"/>
-              </a:rPr>
-              <a:t>https://docs.microsoft.com/en-us/dotnet/standard/generics/?view=netframework-4.8</a:t>
-            </a:r>
-            <a:endParaRPr lang="en-US" dirty="0"/>
+              <a:t>https://docs.microsoft.com/en-us/dotnet/standard/generics/?view=netcore-3.1</a:t>
+            </a:r>
+            <a:endParaRPr lang="en-US" sz="1600" dirty="0"/>
           </a:p>
         </p:txBody>
       </p:sp>
@@ -7354,7 +7373,7 @@
           <p:nvPr/>
         </p:nvPicPr>
         <p:blipFill>
-          <a:blip r:embed="rId5"/>
+          <a:blip r:embed="rId4"/>
           <a:stretch>
             <a:fillRect/>
           </a:stretch>
@@ -7420,10 +7439,15 @@
             <p:ph idx="1"/>
           </p:nvPr>
         </p:nvSpPr>
-        <p:spPr/>
+        <p:spPr>
+          <a:xfrm>
+            <a:off x="1097280" y="1908853"/>
+            <a:ext cx="10058400" cy="4374938"/>
+          </a:xfrm>
+        </p:spPr>
         <p:txBody>
           <a:bodyPr>
-            <a:normAutofit fontScale="92500" lnSpcReduction="10000"/>
+            <a:normAutofit lnSpcReduction="10000"/>
           </a:bodyPr>
           <a:lstStyle/>
           <a:p>
@@ -7432,7 +7456,7 @@
               <a:buChar char="•"/>
             </a:pPr>
             <a:r>
-              <a:rPr lang="en-US" dirty="0">
+              <a:rPr lang="en-US" sz="2000" dirty="0">
                 <a:highlight>
                   <a:srgbClr val="00FFFF"/>
                 </a:highlight>
@@ -7440,7 +7464,7 @@
               <a:t>generic type definition </a:t>
             </a:r>
             <a:r>
-              <a:rPr lang="en-US" dirty="0"/>
+              <a:rPr lang="en-US" sz="2000" dirty="0"/>
               <a:t>- a class, structure, or interface declaration that functions as a template with placeholders for its types.</a:t>
             </a:r>
           </a:p>
@@ -7450,7 +7474,7 @@
               <a:buChar char="•"/>
             </a:pPr>
             <a:r>
-              <a:rPr lang="en-US" dirty="0">
+              <a:rPr lang="en-US" sz="2000" dirty="0">
                 <a:highlight>
                   <a:srgbClr val="00FFFF"/>
                 </a:highlight>
@@ -7458,8 +7482,8 @@
               <a:t>generic type parameters </a:t>
             </a:r>
             <a:r>
-              <a:rPr lang="en-US" dirty="0"/>
-              <a:t>- type parameters. Placeholders in a generic type or method definition.</a:t>
+              <a:rPr lang="en-US" sz="2000" dirty="0"/>
+              <a:t>- type parameters. Placeholders in a generic type or method definition. Conventionally named &lt;T&gt;.</a:t>
             </a:r>
           </a:p>
           <a:p>
@@ -7468,7 +7492,7 @@
               <a:buChar char="•"/>
             </a:pPr>
             <a:r>
-              <a:rPr lang="en-US" dirty="0">
+              <a:rPr lang="en-US" sz="2000" dirty="0">
                 <a:highlight>
                   <a:srgbClr val="00FFFF"/>
                 </a:highlight>
@@ -7476,7 +7500,7 @@
               <a:t>constructed generic type </a:t>
             </a:r>
             <a:r>
-              <a:rPr lang="en-US" dirty="0"/>
+              <a:rPr lang="en-US" sz="2000" dirty="0"/>
               <a:t>- constructed type. The result of specifying types for the generic type parameters of a generic type definition.</a:t>
             </a:r>
           </a:p>
@@ -7486,7 +7510,7 @@
               <a:buChar char="•"/>
             </a:pPr>
             <a:r>
-              <a:rPr lang="en-US" dirty="0">
+              <a:rPr lang="en-US" sz="2000" dirty="0">
                 <a:highlight>
                   <a:srgbClr val="00FFFF"/>
                 </a:highlight>
@@ -7494,7 +7518,7 @@
               <a:t>generic type argument </a:t>
             </a:r>
             <a:r>
-              <a:rPr lang="en-US" dirty="0"/>
+              <a:rPr lang="en-US" sz="2000" dirty="0"/>
               <a:t>- any type that is substituted for a generic type parameter.</a:t>
             </a:r>
           </a:p>
@@ -7504,7 +7528,7 @@
               <a:buChar char="•"/>
             </a:pPr>
             <a:r>
-              <a:rPr lang="en-US" dirty="0">
+              <a:rPr lang="en-US" sz="2000" dirty="0">
                 <a:highlight>
                   <a:srgbClr val="00FFFF"/>
                 </a:highlight>
@@ -7512,7 +7536,7 @@
               <a:t>generic type </a:t>
             </a:r>
             <a:r>
-              <a:rPr lang="en-US" dirty="0"/>
+              <a:rPr lang="en-US" sz="2000" dirty="0"/>
               <a:t>- constructed types and generic type definitions.</a:t>
             </a:r>
           </a:p>
@@ -7522,57 +7546,7 @@
               <a:buChar char="•"/>
             </a:pPr>
             <a:r>
-              <a:rPr lang="en-US" dirty="0">
-                <a:highlight>
-                  <a:srgbClr val="00FFFF"/>
-                </a:highlight>
-              </a:rPr>
-              <a:t>variance</a:t>
-            </a:r>
-          </a:p>
-          <a:p>
-            <a:pPr lvl="2">
-              <a:buFont typeface="Arial" panose="020B0604020202020204" pitchFamily="34" charset="0"/>
-              <a:buChar char="•"/>
-            </a:pPr>
-            <a:r>
-              <a:rPr lang="en-US" dirty="0">
-                <a:highlight>
-                  <a:srgbClr val="C0C0C0"/>
-                </a:highlight>
-              </a:rPr>
-              <a:t>Covariance</a:t>
-            </a:r>
-            <a:r>
-              <a:rPr lang="en-US" dirty="0"/>
-              <a:t> – constructed generic types whose type arguments are more derived than a target constructed type.</a:t>
-            </a:r>
-          </a:p>
-          <a:p>
-            <a:pPr lvl="2">
-              <a:buFont typeface="Arial" panose="020B0604020202020204" pitchFamily="34" charset="0"/>
-              <a:buChar char="•"/>
-            </a:pPr>
-            <a:r>
-              <a:rPr lang="en-US" dirty="0">
-                <a:highlight>
-                  <a:srgbClr val="C0C0C0"/>
-                </a:highlight>
-              </a:rPr>
-              <a:t>contravariance</a:t>
-            </a:r>
-            <a:r>
-              <a:rPr lang="en-US" dirty="0"/>
-              <a:t> – constructed generic types whose type arguments are less derived than a target constructed type. </a:t>
-            </a:r>
-          </a:p>
-          <a:p>
-            <a:pPr lvl="1">
-              <a:buFont typeface="Arial" panose="020B0604020202020204" pitchFamily="34" charset="0"/>
-              <a:buChar char="•"/>
-            </a:pPr>
-            <a:r>
-              <a:rPr lang="en-US" dirty="0">
+              <a:rPr lang="en-US" sz="2000" dirty="0">
                 <a:highlight>
                   <a:srgbClr val="00FFFF"/>
                 </a:highlight>
@@ -7580,7 +7554,7 @@
               <a:t>constraints</a:t>
             </a:r>
             <a:r>
-              <a:rPr lang="en-US" dirty="0"/>
+              <a:rPr lang="en-US" sz="2000" dirty="0"/>
               <a:t> - limits placed on generic type parameters. Arguments that do not satisfy the constraints cannot be used.</a:t>
             </a:r>
           </a:p>
@@ -7590,7 +7564,7 @@
               <a:buChar char="•"/>
             </a:pPr>
             <a:r>
-              <a:rPr lang="en-US" dirty="0">
+              <a:rPr lang="en-US" sz="2000" dirty="0">
                 <a:highlight>
                   <a:srgbClr val="00FFFF"/>
                 </a:highlight>
@@ -7598,7 +7572,7 @@
               <a:t>generic method definition </a:t>
             </a:r>
             <a:r>
-              <a:rPr lang="en-US" dirty="0"/>
+              <a:rPr lang="en-US" sz="2000" dirty="0"/>
               <a:t>- a method with two parameter lists: a list of generic type parameters and a list of formal parameters. Type parameters can appear as the return type or as the types of the formal parameters.</a:t>
             </a:r>
           </a:p>
@@ -7643,7 +7617,7 @@
               <a:rPr lang="en-US" sz="1400" dirty="0">
                 <a:hlinkClick r:id="rId2"/>
               </a:rPr>
-              <a:t>https://docs.microsoft.com/en-us/dotnet/standard/generics/?view=netframework-4.8</a:t>
+              <a:t>https://docs.microsoft.com/en-us/dotnet/standard/generics/?view=netcore-3.1</a:t>
             </a:r>
             <a:endParaRPr lang="en-US" dirty="0"/>
           </a:p>
@@ -7725,7 +7699,7 @@
               <a:rPr lang="en-US" sz="1200" dirty="0">
                 <a:hlinkClick r:id="rId2"/>
               </a:rPr>
-              <a:t>https://docs.microsoft.com/en-us/dotnet/standard/generics/?view=netframework-4.8</a:t>
+              <a:t>https://docs.microsoft.com/en-us/dotnet/standard/generics/?view=netcore-3.1</a:t>
             </a:r>
             <a:endParaRPr lang="en-US" dirty="0"/>
           </a:p>
@@ -7973,13 +7947,13 @@
               <a:t>Generics - Instantiation</a:t>
             </a:r>
             <a:br>
-              <a:rPr lang="en-US" dirty="0"/>
+              <a:rPr lang="en-US" sz="1400" dirty="0"/>
             </a:br>
             <a:r>
               <a:rPr lang="en-US" sz="1400" dirty="0">
                 <a:hlinkClick r:id="rId2"/>
               </a:rPr>
-              <a:t>https://docs.microsoft.com/en-us/dotnet/api/system.collections.generic?view=netframework-4.8</a:t>
+              <a:t>https://docs.microsoft.com/en-us/dotnet/csharp/programming-guide/generics/</a:t>
             </a:r>
             <a:br>
               <a:rPr lang="en-US" sz="1400" dirty="0"/>
@@ -7988,16 +7962,7 @@
               <a:rPr lang="en-US" sz="1400" dirty="0">
                 <a:hlinkClick r:id="rId3"/>
               </a:rPr>
-              <a:t>https://docs.microsoft.com/en-us/dotnet/csharp/programming-guide/generics/</a:t>
-            </a:r>
-            <a:br>
-              <a:rPr lang="en-US" sz="1400" dirty="0"/>
-            </a:br>
-            <a:r>
-              <a:rPr lang="en-US" sz="1400" dirty="0">
-                <a:hlinkClick r:id="rId4"/>
-              </a:rPr>
-              <a:t>https://docs.microsoft.com/en-us/dotnet/standard/generics/?view=netframework-4.8</a:t>
+              <a:t>https://docs.microsoft.com/en-us/dotnet/standard/generics/?view=netcore-3.1</a:t>
             </a:r>
             <a:endParaRPr lang="en-US" dirty="0"/>
           </a:p>
@@ -8018,7 +7983,7 @@
           <p:nvPr/>
         </p:nvPicPr>
         <p:blipFill>
-          <a:blip r:embed="rId5"/>
+          <a:blip r:embed="rId4"/>
           <a:stretch>
             <a:fillRect/>
           </a:stretch>
@@ -8292,16 +8257,16 @@
           <a:p>
             <a:r>
               <a:rPr lang="en-US" dirty="0"/>
-              <a:t>Generics</a:t>
+              <a:t>Generic Collections</a:t>
             </a:r>
             <a:br>
-              <a:rPr lang="en-US" dirty="0"/>
+              <a:rPr lang="en-US" sz="1400" dirty="0"/>
             </a:br>
             <a:r>
               <a:rPr lang="en-US" sz="1400" dirty="0">
                 <a:hlinkClick r:id="rId2"/>
               </a:rPr>
-              <a:t>https://docs.microsoft.com/en-us/dotnet/api/system.collections.generic?view=netframework-4.8</a:t>
+              <a:t>https://docs.microsoft.com/en-us/dotnet/csharp/programming-guide/generics/</a:t>
             </a:r>
             <a:br>
               <a:rPr lang="en-US" sz="1400" dirty="0"/>
@@ -8310,16 +8275,7 @@
               <a:rPr lang="en-US" sz="1400" dirty="0">
                 <a:hlinkClick r:id="rId3"/>
               </a:rPr>
-              <a:t>https://docs.microsoft.com/en-us/dotnet/csharp/programming-guide/generics/</a:t>
-            </a:r>
-            <a:br>
-              <a:rPr lang="en-US" sz="1400" dirty="0"/>
-            </a:br>
-            <a:r>
-              <a:rPr lang="en-US" sz="1400" dirty="0">
-                <a:hlinkClick r:id="rId4"/>
-              </a:rPr>
-              <a:t>https://docs.microsoft.com/en-us/dotnet/standard/generics/?view=netframework-4.8</a:t>
+              <a:t>https://docs.microsoft.com/en-us/dotnet/standard/generics/?view=netcore-3.1</a:t>
             </a:r>
             <a:endParaRPr lang="en-US" dirty="0"/>
           </a:p>
@@ -8363,12 +8319,16 @@
               <a:t>The </a:t>
             </a:r>
             <a:r>
-              <a:rPr lang="en-US" dirty="0" err="1"/>
+              <a:rPr lang="en-US" b="1" i="1" dirty="0" err="1"/>
               <a:t>System.Collections.Generic</a:t>
             </a:r>
             <a:r>
+              <a:rPr lang="en-US" b="1" i="1" dirty="0"/>
+              <a:t> </a:t>
+            </a:r>
+            <a:r>
               <a:rPr lang="en-US" dirty="0"/>
-              <a:t> namespace contains interfaces and classes that define generic collections. Users can create strongly typed collections that provide better type safety and performance.</a:t>
+              <a:t>namespace contains interfaces and classes that define generic collections. Users can create strongly typed collections that provide better type safety and performance.</a:t>
             </a:r>
           </a:p>
         </p:txBody>
@@ -8427,8 +8387,8 @@
         </p:blipFill>
         <p:spPr>
           <a:xfrm>
-            <a:off x="6472857" y="1999129"/>
-            <a:ext cx="5016251" cy="4309129"/>
+            <a:off x="6306906" y="1870659"/>
+            <a:ext cx="5589566" cy="4801626"/>
           </a:xfrm>
           <a:prstGeom prst="rect">
             <a:avLst/>
@@ -8503,15 +8463,15 @@
         </p:nvSpPr>
         <p:spPr>
           <a:xfrm>
-            <a:off x="528918" y="2178139"/>
-            <a:ext cx="5888873" cy="3477875"/>
+            <a:off x="295528" y="1947928"/>
+            <a:ext cx="5858254" cy="4154984"/>
           </a:xfrm>
           <a:prstGeom prst="rect">
             <a:avLst/>
           </a:prstGeom>
         </p:spPr>
         <p:txBody>
-          <a:bodyPr wrap="square">
+          <a:bodyPr wrap="square" anchor="ctr">
             <a:spAutoFit/>
           </a:bodyPr>
           <a:lstStyle/>
@@ -8521,7 +8481,7 @@
               <a:buChar char="•"/>
             </a:pPr>
             <a:r>
-              <a:rPr lang="en-US" sz="2000" dirty="0"/>
+              <a:rPr lang="en-US" sz="2200" dirty="0"/>
               <a:t>List&lt;T&gt; represents a strongly typed list of objects </a:t>
             </a:r>
           </a:p>
@@ -8531,7 +8491,7 @@
               <a:buChar char="•"/>
             </a:pPr>
             <a:r>
-              <a:rPr lang="en-US" sz="2000" dirty="0"/>
+              <a:rPr lang="en-US" sz="2200" dirty="0"/>
               <a:t>Elements can be accessed by (zero-based)  index[]. </a:t>
             </a:r>
           </a:p>
@@ -8541,7 +8501,7 @@
               <a:buChar char="•"/>
             </a:pPr>
             <a:r>
-              <a:rPr lang="en-US" sz="2000" dirty="0"/>
+              <a:rPr lang="en-US" sz="2200" dirty="0"/>
               <a:t>Provides methods to search, sort, and manipulate lists.</a:t>
             </a:r>
           </a:p>
@@ -8551,15 +8511,15 @@
               <a:buChar char="•"/>
             </a:pPr>
             <a:r>
-              <a:rPr lang="en-US" sz="2000" dirty="0"/>
+              <a:rPr lang="en-US" sz="2200" dirty="0"/>
               <a:t>The List&lt;T&gt; class is the generic equivalent of the (Deprecated) </a:t>
             </a:r>
             <a:r>
-              <a:rPr lang="en-US" sz="2000" dirty="0" err="1"/>
+              <a:rPr lang="en-US" sz="2200" dirty="0" err="1"/>
               <a:t>ArrayList</a:t>
             </a:r>
             <a:r>
-              <a:rPr lang="en-US" sz="2000" dirty="0"/>
+              <a:rPr lang="en-US" sz="2200" dirty="0"/>
               <a:t> class. </a:t>
             </a:r>
           </a:p>
@@ -8569,15 +8529,15 @@
               <a:buChar char="•"/>
             </a:pPr>
             <a:r>
-              <a:rPr lang="en-US" sz="2000" dirty="0"/>
+              <a:rPr lang="en-US" sz="2200" dirty="0"/>
               <a:t>It implements the </a:t>
             </a:r>
             <a:r>
-              <a:rPr lang="en-US" sz="2000" dirty="0" err="1"/>
+              <a:rPr lang="en-US" sz="2200" dirty="0" err="1"/>
               <a:t>IList</a:t>
             </a:r>
             <a:r>
-              <a:rPr lang="en-US" sz="2000" dirty="0"/>
+              <a:rPr lang="en-US" sz="2200" dirty="0"/>
               <a:t>&lt;T&gt; generic interface by using an array whose size is dynamically increased as required.</a:t>
             </a:r>
           </a:p>
@@ -8587,7 +8547,7 @@
               <a:buChar char="•"/>
             </a:pPr>
             <a:r>
-              <a:rPr lang="en-US" sz="2000" dirty="0"/>
+              <a:rPr lang="en-US" sz="2200" dirty="0"/>
               <a:t>The List&lt;T&gt; is not guaranteed to be sorted. </a:t>
             </a:r>
           </a:p>
